--- a/Physics-new/yale-signal-noise/Squeezing of quantum noise.pptx
+++ b/Physics-new/yale-signal-noise/Squeezing of quantum noise.pptx
@@ -251,7 +251,7 @@
           <a:p>
             <a:fld id="{C15C1966-46BD-4FDA-9F6B-40B39EC8A56A}" type="datetimeFigureOut">
               <a:rPr lang="zh-CN" altLang="en-US" smtClean="0"/>
-              <a:t>2022/12/13</a:t>
+              <a:t>2022/12/14</a:t>
             </a:fld>
             <a:endParaRPr lang="zh-CN" altLang="en-US"/>
           </a:p>
@@ -421,7 +421,7 @@
           <a:p>
             <a:fld id="{C15C1966-46BD-4FDA-9F6B-40B39EC8A56A}" type="datetimeFigureOut">
               <a:rPr lang="zh-CN" altLang="en-US" smtClean="0"/>
-              <a:t>2022/12/13</a:t>
+              <a:t>2022/12/14</a:t>
             </a:fld>
             <a:endParaRPr lang="zh-CN" altLang="en-US"/>
           </a:p>
@@ -601,7 +601,7 @@
           <a:p>
             <a:fld id="{C15C1966-46BD-4FDA-9F6B-40B39EC8A56A}" type="datetimeFigureOut">
               <a:rPr lang="zh-CN" altLang="en-US" smtClean="0"/>
-              <a:t>2022/12/13</a:t>
+              <a:t>2022/12/14</a:t>
             </a:fld>
             <a:endParaRPr lang="zh-CN" altLang="en-US"/>
           </a:p>
@@ -771,7 +771,7 @@
           <a:p>
             <a:fld id="{C15C1966-46BD-4FDA-9F6B-40B39EC8A56A}" type="datetimeFigureOut">
               <a:rPr lang="zh-CN" altLang="en-US" smtClean="0"/>
-              <a:t>2022/12/13</a:t>
+              <a:t>2022/12/14</a:t>
             </a:fld>
             <a:endParaRPr lang="zh-CN" altLang="en-US"/>
           </a:p>
@@ -1015,7 +1015,7 @@
           <a:p>
             <a:fld id="{C15C1966-46BD-4FDA-9F6B-40B39EC8A56A}" type="datetimeFigureOut">
               <a:rPr lang="zh-CN" altLang="en-US" smtClean="0"/>
-              <a:t>2022/12/13</a:t>
+              <a:t>2022/12/14</a:t>
             </a:fld>
             <a:endParaRPr lang="zh-CN" altLang="en-US"/>
           </a:p>
@@ -1247,7 +1247,7 @@
           <a:p>
             <a:fld id="{C15C1966-46BD-4FDA-9F6B-40B39EC8A56A}" type="datetimeFigureOut">
               <a:rPr lang="zh-CN" altLang="en-US" smtClean="0"/>
-              <a:t>2022/12/13</a:t>
+              <a:t>2022/12/14</a:t>
             </a:fld>
             <a:endParaRPr lang="zh-CN" altLang="en-US"/>
           </a:p>
@@ -1614,7 +1614,7 @@
           <a:p>
             <a:fld id="{C15C1966-46BD-4FDA-9F6B-40B39EC8A56A}" type="datetimeFigureOut">
               <a:rPr lang="zh-CN" altLang="en-US" smtClean="0"/>
-              <a:t>2022/12/13</a:t>
+              <a:t>2022/12/14</a:t>
             </a:fld>
             <a:endParaRPr lang="zh-CN" altLang="en-US"/>
           </a:p>
@@ -1732,7 +1732,7 @@
           <a:p>
             <a:fld id="{C15C1966-46BD-4FDA-9F6B-40B39EC8A56A}" type="datetimeFigureOut">
               <a:rPr lang="zh-CN" altLang="en-US" smtClean="0"/>
-              <a:t>2022/12/13</a:t>
+              <a:t>2022/12/14</a:t>
             </a:fld>
             <a:endParaRPr lang="zh-CN" altLang="en-US"/>
           </a:p>
@@ -1827,7 +1827,7 @@
           <a:p>
             <a:fld id="{C15C1966-46BD-4FDA-9F6B-40B39EC8A56A}" type="datetimeFigureOut">
               <a:rPr lang="zh-CN" altLang="en-US" smtClean="0"/>
-              <a:t>2022/12/13</a:t>
+              <a:t>2022/12/14</a:t>
             </a:fld>
             <a:endParaRPr lang="zh-CN" altLang="en-US"/>
           </a:p>
@@ -2104,7 +2104,7 @@
           <a:p>
             <a:fld id="{C15C1966-46BD-4FDA-9F6B-40B39EC8A56A}" type="datetimeFigureOut">
               <a:rPr lang="zh-CN" altLang="en-US" smtClean="0"/>
-              <a:t>2022/12/13</a:t>
+              <a:t>2022/12/14</a:t>
             </a:fld>
             <a:endParaRPr lang="zh-CN" altLang="en-US"/>
           </a:p>
@@ -2361,7 +2361,7 @@
           <a:p>
             <a:fld id="{C15C1966-46BD-4FDA-9F6B-40B39EC8A56A}" type="datetimeFigureOut">
               <a:rPr lang="zh-CN" altLang="en-US" smtClean="0"/>
-              <a:t>2022/12/13</a:t>
+              <a:t>2022/12/14</a:t>
             </a:fld>
             <a:endParaRPr lang="zh-CN" altLang="en-US"/>
           </a:p>
@@ -2574,7 +2574,7 @@
           <a:p>
             <a:fld id="{C15C1966-46BD-4FDA-9F6B-40B39EC8A56A}" type="datetimeFigureOut">
               <a:rPr lang="zh-CN" altLang="en-US" smtClean="0"/>
-              <a:t>2022/12/13</a:t>
+              <a:t>2022/12/14</a:t>
             </a:fld>
             <a:endParaRPr lang="zh-CN" altLang="en-US"/>
           </a:p>
@@ -6351,7 +6351,7 @@
         </p:blipFill>
         <p:spPr>
           <a:xfrm>
-            <a:off x="628650" y="3911352"/>
+            <a:off x="592277" y="4019824"/>
             <a:ext cx="4064731" cy="2860366"/>
           </a:xfrm>
           <a:prstGeom prst="rect">
@@ -6546,8 +6546,8 @@
         </p:nvCxnSpPr>
         <p:spPr>
           <a:xfrm flipH="1">
-            <a:off x="1967789" y="1944957"/>
-            <a:ext cx="903427" cy="632360"/>
+            <a:off x="2090002" y="1944957"/>
+            <a:ext cx="781214" cy="632360"/>
           </a:xfrm>
           <a:prstGeom prst="straightConnector1">
             <a:avLst/>
@@ -6589,7 +6589,7 @@
         <p:spPr>
           <a:xfrm>
             <a:off x="792467" y="2577317"/>
-            <a:ext cx="2350643" cy="369332"/>
+            <a:ext cx="2595069" cy="646331"/>
           </a:xfrm>
           <a:prstGeom prst="rect">
             <a:avLst/>
@@ -6604,15 +6604,13 @@
           <a:p>
             <a:r>
               <a:rPr lang="en-US" altLang="zh-CN" dirty="0"/>
-              <a:t>suppressed by </a:t>
-            </a:r>
-            <a:r>
-              <a:rPr lang="el-GR" altLang="zh-CN" dirty="0"/>
-              <a:t>ϕ</a:t>
-            </a:r>
+              <a:t>Main contribution, </a:t>
+            </a:r>
+          </a:p>
+          <a:p>
             <a:r>
               <a:rPr lang="en-US" altLang="zh-CN" dirty="0"/>
-              <a:t> factor</a:t>
+              <a:t>but with small fluctuation</a:t>
             </a:r>
             <a:endParaRPr lang="zh-CN" altLang="en-US" dirty="0"/>
           </a:p>
@@ -6692,8 +6690,8 @@
         </p:nvCxnSpPr>
         <p:spPr>
           <a:xfrm flipH="1">
-            <a:off x="4046538" y="1944956"/>
-            <a:ext cx="213881" cy="632361"/>
+            <a:off x="3980264" y="1944956"/>
+            <a:ext cx="280155" cy="641876"/>
           </a:xfrm>
           <a:prstGeom prst="straightConnector1">
             <a:avLst/>
@@ -6734,7 +6732,7 @@
         </p:nvSpPr>
         <p:spPr>
           <a:xfrm>
-            <a:off x="3399694" y="2577317"/>
+            <a:off x="3333420" y="2586832"/>
             <a:ext cx="1293687" cy="369332"/>
           </a:xfrm>
           <a:prstGeom prst="rect">
@@ -6929,7 +6927,7 @@
         </p:nvGrpSpPr>
         <p:grpSpPr>
           <a:xfrm>
-            <a:off x="2989388" y="3033715"/>
+            <a:off x="3605406" y="3033715"/>
             <a:ext cx="5337090" cy="877637"/>
             <a:chOff x="2989388" y="3033715"/>
             <a:chExt cx="5337090" cy="877637"/>
@@ -7063,8 +7061,8 @@
           </p:spPr>
         </p:pic>
       </p:grpSp>
-      <mc:AlternateContent xmlns:mc="http://schemas.openxmlformats.org/markup-compatibility/2006" xmlns:a14="http://schemas.microsoft.com/office/drawing/2010/main">
-        <mc:Choice Requires="a14">
+      <mc:AlternateContent xmlns:mc="http://schemas.openxmlformats.org/markup-compatibility/2006">
+        <mc:Choice xmlns:a14="http://schemas.microsoft.com/office/drawing/2010/main" Requires="a14">
           <p:sp>
             <p:nvSpPr>
               <p:cNvPr id="39" name="文本框 38">
@@ -7080,7 +7078,7 @@
             <p:spPr>
               <a:xfrm>
                 <a:off x="5253700" y="4183036"/>
-                <a:ext cx="2721579" cy="646331"/>
+                <a:ext cx="3202800" cy="738664"/>
               </a:xfrm>
               <a:prstGeom prst="rect">
                 <a:avLst/>
@@ -7133,15 +7131,15 @@
               </a:p>
               <a:p>
                 <a:r>
-                  <a:rPr lang="en-US" altLang="zh-CN" dirty="0"/>
+                  <a:rPr lang="en-US" altLang="zh-CN" sz="2400" b="1" dirty="0"/>
                   <a:t>standard quantum limit</a:t>
                 </a:r>
-                <a:endParaRPr lang="zh-CN" altLang="en-US" dirty="0"/>
+                <a:endParaRPr lang="zh-CN" altLang="en-US" sz="2400" b="1" dirty="0"/>
               </a:p>
             </p:txBody>
           </p:sp>
         </mc:Choice>
-        <mc:Fallback xmlns="">
+        <mc:Fallback>
           <p:sp>
             <p:nvSpPr>
               <p:cNvPr id="39" name="文本框 38">
@@ -7159,7 +7157,7 @@
             <p:spPr>
               <a:xfrm>
                 <a:off x="5253700" y="4183036"/>
-                <a:ext cx="2721579" cy="646331"/>
+                <a:ext cx="3202800" cy="738664"/>
               </a:xfrm>
               <a:prstGeom prst="rect">
                 <a:avLst/>
@@ -7167,7 +7165,7 @@
               <a:blipFill>
                 <a:blip r:embed="rId7"/>
                 <a:stretch>
-                  <a:fillRect l="-2018" t="-4717" r="-897" b="-14151"/>
+                  <a:fillRect l="-3048" t="-4132" r="-1905" b="-18182"/>
                 </a:stretch>
               </a:blipFill>
             </p:spPr>
@@ -7275,10 +7273,88 @@
         </p:nvCxnSpPr>
         <p:spPr>
           <a:xfrm rot="5400000">
-            <a:off x="3653745" y="3754274"/>
-            <a:ext cx="2214243" cy="2528399"/>
+            <a:off x="3798462" y="3500427"/>
+            <a:ext cx="2431696" cy="3253547"/>
           </a:xfrm>
           <a:prstGeom prst="curvedConnector2">
+            <a:avLst/>
+          </a:prstGeom>
+          <a:ln>
+            <a:tailEnd type="triangle"/>
+          </a:ln>
+        </p:spPr>
+        <p:style>
+          <a:lnRef idx="1">
+            <a:schemeClr val="accent1"/>
+          </a:lnRef>
+          <a:fillRef idx="0">
+            <a:schemeClr val="accent1"/>
+          </a:fillRef>
+          <a:effectRef idx="0">
+            <a:schemeClr val="accent1"/>
+          </a:effectRef>
+          <a:fontRef idx="minor">
+            <a:schemeClr val="tx1"/>
+          </a:fontRef>
+        </p:style>
+      </p:cxnSp>
+      <p:pic>
+        <p:nvPicPr>
+          <p:cNvPr id="14" name="图片 13" descr="文本&#10;&#10;描述已自动生成">
+            <a:extLst>
+              <a:ext uri="{FF2B5EF4-FFF2-40B4-BE49-F238E27FC236}">
+                <a16:creationId xmlns:a16="http://schemas.microsoft.com/office/drawing/2014/main" id="{33FDF56B-1BF1-9396-4494-0EB78B841149}"/>
+              </a:ext>
+            </a:extLst>
+          </p:cNvPr>
+          <p:cNvPicPr>
+            <a:picLocks noChangeAspect="1"/>
+          </p:cNvPicPr>
+          <p:nvPr/>
+        </p:nvPicPr>
+        <p:blipFill>
+          <a:blip r:embed="rId10">
+            <a:extLst>
+              <a:ext uri="{28A0092B-C50C-407E-A947-70E740481C1C}">
+                <a14:useLocalDpi xmlns:a14="http://schemas.microsoft.com/office/drawing/2010/main" val="0"/>
+              </a:ext>
+            </a:extLst>
+          </a:blip>
+          <a:stretch>
+            <a:fillRect/>
+          </a:stretch>
+        </p:blipFill>
+        <p:spPr>
+          <a:xfrm>
+            <a:off x="678919" y="3504510"/>
+            <a:ext cx="2544353" cy="586987"/>
+          </a:xfrm>
+          <a:prstGeom prst="rect">
+            <a:avLst/>
+          </a:prstGeom>
+        </p:spPr>
+      </p:pic>
+      <p:cxnSp>
+        <p:nvCxnSpPr>
+          <p:cNvPr id="18" name="直接箭头连接符 17">
+            <a:extLst>
+              <a:ext uri="{FF2B5EF4-FFF2-40B4-BE49-F238E27FC236}">
+                <a16:creationId xmlns:a16="http://schemas.microsoft.com/office/drawing/2014/main" id="{0D76A799-46CB-DB9C-FF41-D65D2E7C3603}"/>
+              </a:ext>
+            </a:extLst>
+          </p:cNvPr>
+          <p:cNvCxnSpPr>
+            <a:stCxn id="9" idx="2"/>
+            <a:endCxn id="14" idx="0"/>
+          </p:cNvCxnSpPr>
+          <p:nvPr/>
+        </p:nvCxnSpPr>
+        <p:spPr>
+          <a:xfrm flipH="1">
+            <a:off x="1951096" y="3223648"/>
+            <a:ext cx="138906" cy="280862"/>
+          </a:xfrm>
+          <a:prstGeom prst="straightConnector1">
             <a:avLst/>
           </a:prstGeom>
           <a:ln>
@@ -7807,6 +7883,60 @@
                                   </p:childTnLst>
                                 </p:cTn>
                               </p:par>
+                              <p:par>
+                                <p:cTn id="43" presetID="1" presetClass="entr" presetSubtype="0" fill="hold" nodeType="withEffect">
+                                  <p:stCondLst>
+                                    <p:cond delay="0"/>
+                                  </p:stCondLst>
+                                  <p:childTnLst>
+                                    <p:set>
+                                      <p:cBhvr>
+                                        <p:cTn id="44" dur="1" fill="hold">
+                                          <p:stCondLst>
+                                            <p:cond delay="0"/>
+                                          </p:stCondLst>
+                                        </p:cTn>
+                                        <p:tgtEl>
+                                          <p:spTgt spid="18"/>
+                                        </p:tgtEl>
+                                        <p:attrNameLst>
+                                          <p:attrName>style.visibility</p:attrName>
+                                        </p:attrNameLst>
+                                      </p:cBhvr>
+                                      <p:to>
+                                        <p:strVal val="visible"/>
+                                      </p:to>
+                                    </p:set>
+                                  </p:childTnLst>
+                                </p:cTn>
+                              </p:par>
+                              <p:par>
+                                <p:cTn id="45" presetID="1" presetClass="entr" presetSubtype="0" fill="hold" nodeType="withEffect">
+                                  <p:stCondLst>
+                                    <p:cond delay="0"/>
+                                  </p:stCondLst>
+                                  <p:childTnLst>
+                                    <p:set>
+                                      <p:cBhvr>
+                                        <p:cTn id="46" dur="1" fill="hold">
+                                          <p:stCondLst>
+                                            <p:cond delay="0"/>
+                                          </p:stCondLst>
+                                        </p:cTn>
+                                        <p:tgtEl>
+                                          <p:spTgt spid="14"/>
+                                        </p:tgtEl>
+                                        <p:attrNameLst>
+                                          <p:attrName>style.visibility</p:attrName>
+                                        </p:attrNameLst>
+                                      </p:cBhvr>
+                                      <p:to>
+                                        <p:strVal val="visible"/>
+                                      </p:to>
+                                    </p:set>
+                                  </p:childTnLst>
+                                </p:cTn>
+                              </p:par>
                             </p:childTnLst>
                           </p:cTn>
                         </p:par>
@@ -9363,6 +9493,42 @@
           </p:sp>
         </mc:Fallback>
       </mc:AlternateContent>
+      <p:sp>
+        <p:nvSpPr>
+          <p:cNvPr id="4" name="文本框 3">
+            <a:extLst>
+              <a:ext uri="{FF2B5EF4-FFF2-40B4-BE49-F238E27FC236}">
+                <a16:creationId xmlns:a16="http://schemas.microsoft.com/office/drawing/2014/main" id="{0A49E034-7EF2-7866-58F4-932EC5789FCD}"/>
+              </a:ext>
+            </a:extLst>
+          </p:cNvPr>
+          <p:cNvSpPr txBox="1"/>
+          <p:nvPr/>
+        </p:nvSpPr>
+        <p:spPr>
+          <a:xfrm>
+            <a:off x="974009" y="4953000"/>
+            <a:ext cx="7886701" cy="646331"/>
+          </a:xfrm>
+          <a:prstGeom prst="rect">
+            <a:avLst/>
+          </a:prstGeom>
+          <a:noFill/>
+        </p:spPr>
+        <p:txBody>
+          <a:bodyPr wrap="square" rtlCol="0">
+            <a:spAutoFit/>
+          </a:bodyPr>
+          <a:lstStyle/>
+          <a:p>
+            <a:r>
+              <a:rPr lang="en-US" altLang="zh-CN" dirty="0"/>
+              <a:t>M. Napolitano et al. “Interaction-based quantum metrology showing scaling beyond the Heisenberg limit”. In: Nature 471.7339 (Mar. 2011), pp. 486–489.</a:t>
+            </a:r>
+            <a:endParaRPr lang="zh-CN" altLang="en-US" dirty="0"/>
+          </a:p>
+        </p:txBody>
+      </p:sp>
     </p:spTree>
     <p:extLst>
       <p:ext uri="{BB962C8B-B14F-4D97-AF65-F5344CB8AC3E}">

--- a/Physics-new/yale-signal-noise/Squeezing of quantum noise.pptx
+++ b/Physics-new/yale-signal-noise/Squeezing of quantum noise.pptx
@@ -5081,7 +5081,7 @@
         </p:nvSpPr>
         <p:spPr>
           <a:xfrm>
-            <a:off x="928520" y="5782733"/>
+            <a:off x="628650" y="6408271"/>
             <a:ext cx="5197641" cy="369332"/>
           </a:xfrm>
           <a:prstGeom prst="rect">
@@ -5288,6 +5288,96 @@
                 </a:schemeClr>
               </a:solidFill>
             </a:endParaRPr>
+          </a:p>
+        </p:txBody>
+      </p:sp>
+      <p:pic>
+        <p:nvPicPr>
+          <p:cNvPr id="4" name="图片 3" descr="形状&#10;&#10;描述已自动生成">
+            <a:extLst>
+              <a:ext uri="{FF2B5EF4-FFF2-40B4-BE49-F238E27FC236}">
+                <a16:creationId xmlns:a16="http://schemas.microsoft.com/office/drawing/2014/main" id="{7BD36AB4-D140-7696-E944-F8A2A4A98563}"/>
+              </a:ext>
+            </a:extLst>
+          </p:cNvPr>
+          <p:cNvPicPr>
+            <a:picLocks noChangeAspect="1"/>
+          </p:cNvPicPr>
+          <p:nvPr/>
+        </p:nvPicPr>
+        <p:blipFill>
+          <a:blip r:embed="rId5">
+            <a:extLst>
+              <a:ext uri="{28A0092B-C50C-407E-A947-70E740481C1C}">
+                <a14:useLocalDpi xmlns:a14="http://schemas.microsoft.com/office/drawing/2010/main" val="0"/>
+              </a:ext>
+            </a:extLst>
+          </a:blip>
+          <a:stretch>
+            <a:fillRect/>
+          </a:stretch>
+        </p:blipFill>
+        <p:spPr>
+          <a:xfrm>
+            <a:off x="628650" y="5080421"/>
+            <a:ext cx="3319842" cy="857598"/>
+          </a:xfrm>
+          <a:prstGeom prst="rect">
+            <a:avLst/>
+          </a:prstGeom>
+        </p:spPr>
+      </p:pic>
+      <p:sp>
+        <p:nvSpPr>
+          <p:cNvPr id="5" name="文本框 4">
+            <a:extLst>
+              <a:ext uri="{FF2B5EF4-FFF2-40B4-BE49-F238E27FC236}">
+                <a16:creationId xmlns:a16="http://schemas.microsoft.com/office/drawing/2014/main" id="{A30A1B9E-5C52-CEDE-00A6-EBFD2659E21B}"/>
+              </a:ext>
+            </a:extLst>
+          </p:cNvPr>
+          <p:cNvSpPr txBox="1"/>
+          <p:nvPr/>
+        </p:nvSpPr>
+        <p:spPr>
+          <a:xfrm>
+            <a:off x="4261468" y="5107022"/>
+            <a:ext cx="4819846" cy="830997"/>
+          </a:xfrm>
+          <a:prstGeom prst="rect">
+            <a:avLst/>
+          </a:prstGeom>
+          <a:noFill/>
+        </p:spPr>
+        <p:txBody>
+          <a:bodyPr wrap="none" rtlCol="0">
+            <a:spAutoFit/>
+          </a:bodyPr>
+          <a:lstStyle/>
+          <a:p>
+            <a:r>
+              <a:rPr lang="en-US" altLang="zh-CN" sz="2400" dirty="0"/>
+              <a:t>Negative probability </a:t>
+            </a:r>
+            <a:r>
+              <a:rPr lang="zh-CN" altLang="en-US" sz="2400" dirty="0"/>
+              <a:t>→ </a:t>
+            </a:r>
+            <a:r>
+              <a:rPr lang="en-US" altLang="zh-CN" sz="2400" dirty="0"/>
+              <a:t>n determined</a:t>
+            </a:r>
+          </a:p>
+          <a:p>
+            <a:r>
+              <a:rPr lang="zh-CN" altLang="en-US" sz="2400" dirty="0"/>
+              <a:t>→ </a:t>
+            </a:r>
+            <a:r>
+              <a:rPr lang="en-US" altLang="zh-CN" sz="2400" dirty="0"/>
+              <a:t>phase completely uncertain</a:t>
+            </a:r>
+            <a:endParaRPr lang="zh-CN" altLang="en-US" sz="2400" dirty="0"/>
           </a:p>
         </p:txBody>
       </p:sp>
@@ -5852,7 +5942,7 @@
         <p:spPr>
           <a:xfrm>
             <a:off x="419267" y="2949093"/>
-            <a:ext cx="1226618" cy="369332"/>
+            <a:ext cx="1641347" cy="1200329"/>
           </a:xfrm>
           <a:prstGeom prst="rect">
             <a:avLst/>
@@ -5867,7 +5957,25 @@
           <a:p>
             <a:r>
               <a:rPr lang="en-US" altLang="zh-CN" dirty="0"/>
-              <a:t>Laser input</a:t>
+              <a:t>Laser input:</a:t>
+            </a:r>
+          </a:p>
+          <a:p>
+            <a:r>
+              <a:rPr lang="en-US" altLang="zh-CN" dirty="0"/>
+              <a:t>coherent state</a:t>
+            </a:r>
+          </a:p>
+          <a:p>
+            <a:r>
+              <a:rPr lang="en-US" altLang="zh-CN" dirty="0"/>
+              <a:t>with parameter</a:t>
+            </a:r>
+          </a:p>
+          <a:p>
+            <a:r>
+              <a:rPr lang="en-US" altLang="zh-CN" dirty="0"/>
+              <a:t>α</a:t>
             </a:r>
             <a:endParaRPr lang="zh-CN" altLang="en-US" dirty="0"/>
           </a:p>
@@ -7061,8 +7169,8 @@
           </p:spPr>
         </p:pic>
       </p:grpSp>
-      <mc:AlternateContent xmlns:mc="http://schemas.openxmlformats.org/markup-compatibility/2006">
-        <mc:Choice xmlns:a14="http://schemas.microsoft.com/office/drawing/2010/main" Requires="a14">
+      <mc:AlternateContent xmlns:mc="http://schemas.openxmlformats.org/markup-compatibility/2006" xmlns:a14="http://schemas.microsoft.com/office/drawing/2010/main">
+        <mc:Choice Requires="a14">
           <p:sp>
             <p:nvSpPr>
               <p:cNvPr id="39" name="文本框 38">
@@ -7139,7 +7247,7 @@
             </p:txBody>
           </p:sp>
         </mc:Choice>
-        <mc:Fallback>
+        <mc:Fallback xmlns="">
           <p:sp>
             <p:nvSpPr>
               <p:cNvPr id="39" name="文本框 38">
